--- a/Plots/experiment.pptx
+++ b/Plots/experiment.pptx
@@ -107,6 +107,11 @@
       </a:defRPr>
     </a:lvl9pPr>
   </p:defaultTextStyle>
+  <p:extLst>
+    <p:ext uri="{EFAFB233-063F-42B5-8137-9DF3F51BA10A}">
+      <p15:sldGuideLst xmlns:p15="http://schemas.microsoft.com/office/powerpoint/2012/main"/>
+    </p:ext>
+  </p:extLst>
 </p:presentation>
 </file>
 
@@ -256,7 +261,7 @@
             <a:fld id="{EE74A42C-136A-3C40-91AF-2D5D4D1A5514}" type="datetime1">
               <a:rPr lang="en-CH"/>
               <a:pPr lvl="0"/>
-              <a:t>05.11.25</a:t>
+              <a:t>08.01.26</a:t>
             </a:fld>
             <a:endParaRPr lang="en-CH"/>
           </a:p>
@@ -701,7 +706,7 @@
           <a:bodyPr/>
           <a:lstStyle/>
           <a:p>
-            <a:endParaRPr lang="en-CH"/>
+            <a:endParaRPr lang="en-CH" dirty="0"/>
           </a:p>
         </p:txBody>
       </p:sp>
@@ -867,7 +872,7 @@
             <a:fld id="{3E6D0A52-946D-2143-BCF7-6D0BD26F886D}" type="datetime1">
               <a:rPr lang="en-CH"/>
               <a:pPr lvl="0"/>
-              <a:t>05.11.25</a:t>
+              <a:t>08.01.26</a:t>
             </a:fld>
             <a:endParaRPr lang="en-CH"/>
           </a:p>
@@ -1103,7 +1108,7 @@
             <a:fld id="{B93F2549-CF40-564E-92BA-C59C13A5D55D}" type="datetime1">
               <a:rPr lang="en-CH"/>
               <a:pPr lvl="0"/>
-              <a:t>05.11.25</a:t>
+              <a:t>08.01.26</a:t>
             </a:fld>
             <a:endParaRPr lang="en-CH"/>
           </a:p>
@@ -1349,7 +1354,7 @@
             <a:fld id="{9C5259AB-7675-EB4A-A60E-61FD67224B45}" type="datetime1">
               <a:rPr lang="en-CH"/>
               <a:pPr lvl="0"/>
-              <a:t>05.11.25</a:t>
+              <a:t>08.01.26</a:t>
             </a:fld>
             <a:endParaRPr lang="en-CH"/>
           </a:p>
@@ -1585,7 +1590,7 @@
             <a:fld id="{9FD3BBEA-065B-7B47-8340-CB84AFE71917}" type="datetime1">
               <a:rPr lang="en-CH"/>
               <a:pPr lvl="0"/>
-              <a:t>05.11.25</a:t>
+              <a:t>08.01.26</a:t>
             </a:fld>
             <a:endParaRPr lang="en-CH"/>
           </a:p>
@@ -1796,7 +1801,7 @@
             <a:fld id="{CABCF243-4C09-6946-9C88-87DBE894DD75}" type="datetime1">
               <a:rPr lang="en-CH"/>
               <a:pPr lvl="0"/>
-              <a:t>05.11.25</a:t>
+              <a:t>08.01.26</a:t>
             </a:fld>
             <a:endParaRPr lang="en-CH"/>
           </a:p>
@@ -2116,7 +2121,7 @@
             <a:fld id="{ADA5F631-4542-A54E-9A1E-30CCAF1A4587}" type="datetime1">
               <a:rPr lang="en-CH"/>
               <a:pPr lvl="0"/>
-              <a:t>05.11.25</a:t>
+              <a:t>08.01.26</a:t>
             </a:fld>
             <a:endParaRPr lang="en-CH"/>
           </a:p>
@@ -2519,7 +2524,7 @@
             <a:fld id="{2D9254C5-1D4D-324C-9252-687A33D314AF}" type="datetime1">
               <a:rPr lang="en-CH"/>
               <a:pPr lvl="0"/>
-              <a:t>05.11.25</a:t>
+              <a:t>08.01.26</a:t>
             </a:fld>
             <a:endParaRPr lang="en-CH"/>
           </a:p>
@@ -2681,7 +2686,7 @@
             <a:fld id="{762D58F6-07EF-E044-B403-49FF6FA1BC11}" type="datetime1">
               <a:rPr lang="en-CH"/>
               <a:pPr lvl="0"/>
-              <a:t>05.11.25</a:t>
+              <a:t>08.01.26</a:t>
             </a:fld>
             <a:endParaRPr lang="en-CH"/>
           </a:p>
@@ -2809,7 +2814,7 @@
             <a:fld id="{0BFB3DD0-1079-E44A-8750-08AA68500953}" type="datetime1">
               <a:rPr lang="en-CH"/>
               <a:pPr lvl="0"/>
-              <a:t>05.11.25</a:t>
+              <a:t>08.01.26</a:t>
             </a:fld>
             <a:endParaRPr lang="en-CH"/>
           </a:p>
@@ -3094,7 +3099,7 @@
             <a:fld id="{7AAD8BCB-9BB1-BE47-B698-C18F7E1D3025}" type="datetime1">
               <a:rPr lang="en-CH"/>
               <a:pPr lvl="0"/>
-              <a:t>05.11.25</a:t>
+              <a:t>08.01.26</a:t>
             </a:fld>
             <a:endParaRPr lang="en-CH"/>
           </a:p>
@@ -3336,7 +3341,7 @@
             <a:fld id="{1C6A2981-DB2A-5F49-BC07-8FED34435203}" type="datetime1">
               <a:rPr lang="en-CH"/>
               <a:pPr lvl="0"/>
-              <a:t>05.11.25</a:t>
+              <a:t>08.01.26</a:t>
             </a:fld>
             <a:endParaRPr lang="en-CH"/>
           </a:p>
@@ -3619,7 +3624,7 @@
             <a:fld id="{CB19F9F4-A81D-2C48-B580-B2D9B1DB1078}" type="datetime1">
               <a:rPr lang="en-CH"/>
               <a:pPr lvl="0"/>
-              <a:t>05.11.25</a:t>
+              <a:t>08.01.26</a:t>
             </a:fld>
             <a:endParaRPr lang="en-CH"/>
           </a:p>
@@ -5536,9 +5541,9 @@
         <p:grpSpPr>
           <a:xfrm>
             <a:off x="2282845" y="7563400"/>
-            <a:ext cx="7392741" cy="2371511"/>
+            <a:ext cx="7392741" cy="2371512"/>
             <a:chOff x="2282845" y="6399175"/>
-            <a:chExt cx="7392741" cy="2371511"/>
+            <a:chExt cx="7392741" cy="2371512"/>
           </a:xfrm>
         </p:grpSpPr>
         <p:sp>
@@ -5714,9 +5719,9 @@
           <p:grpSpPr>
             <a:xfrm>
               <a:off x="2282845" y="7170249"/>
-              <a:ext cx="7392741" cy="1600437"/>
+              <a:ext cx="7392741" cy="1600438"/>
               <a:chOff x="2282845" y="7170249"/>
-              <a:chExt cx="7392741" cy="1600437"/>
+              <a:chExt cx="7392741" cy="1600438"/>
             </a:xfrm>
           </p:grpSpPr>
           <p:sp>
@@ -5734,7 +5739,7 @@
             <p:spPr>
               <a:xfrm>
                 <a:off x="2282845" y="7170249"/>
-                <a:ext cx="7392741" cy="1600437"/>
+                <a:ext cx="7392741" cy="1600438"/>
               </a:xfrm>
               <a:prstGeom prst="rect">
                 <a:avLst/>
@@ -5991,7 +5996,49 @@
                     <a:uFillTx/>
                     <a:latin typeface="Aptos"/>
                   </a:rPr>
-                  <a:t>Alpine PV</a:t>
+                  <a:t>Alpine photovoltaic (Alpine PV) installations</a:t>
+                </a:r>
+              </a:p>
+              <a:p>
+                <a:pPr marL="800100" marR="0" lvl="1" indent="-342900" algn="l" defTabSz="914400" rtl="0" fontAlgn="auto" hangingPunct="1">
+                  <a:lnSpc>
+                    <a:spcPct val="100000"/>
+                  </a:lnSpc>
+                  <a:spcBef>
+                    <a:spcPts val="0"/>
+                  </a:spcBef>
+                  <a:spcAft>
+                    <a:spcPts val="0"/>
+                  </a:spcAft>
+                  <a:buSzPct val="100000"/>
+                  <a:buFont typeface="Arial" pitchFamily="34"/>
+                  <a:buChar char="•"/>
+                  <a:tabLst/>
+                  <a:defRPr sz="1800" b="0" i="0" u="none" strike="noStrike" kern="0" cap="none" spc="0" baseline="0">
+                    <a:solidFill>
+                      <a:srgbClr val="000000"/>
+                    </a:solidFill>
+                    <a:uFillTx/>
+                  </a:defRPr>
+                </a:pPr>
+                <a:r>
+                  <a:rPr lang="en-GB" sz="1400" b="1" dirty="0">
+                    <a:solidFill>
+                      <a:srgbClr val="000000"/>
+                    </a:solidFill>
+                    <a:latin typeface="Aptos"/>
+                  </a:rPr>
+                  <a:t>W</a:t>
+                </a:r>
+                <a:r>
+                  <a:rPr lang="en-GB" sz="1400" b="1" i="0" u="none" strike="noStrike" kern="1200" cap="none" spc="0" baseline="0" dirty="0">
+                    <a:solidFill>
+                      <a:srgbClr val="000000"/>
+                    </a:solidFill>
+                    <a:uFillTx/>
+                    <a:latin typeface="Aptos"/>
+                  </a:rPr>
+                  <a:t>ind parks</a:t>
                 </a:r>
               </a:p>
               <a:p>
@@ -6024,7 +6071,7 @@
                     <a:uFillTx/>
                     <a:latin typeface="Aptos"/>
                   </a:rPr>
-                  <a:t>Wind</a:t>
+                  <a:t>New nuclear power plants </a:t>
                 </a:r>
               </a:p>
               <a:p>
@@ -6057,40 +6104,7 @@
                     <a:uFillTx/>
                     <a:latin typeface="Aptos"/>
                   </a:rPr>
-                  <a:t>New nuclear energy </a:t>
-                </a:r>
-              </a:p>
-              <a:p>
-                <a:pPr marL="800100" marR="0" lvl="1" indent="-342900" algn="l" defTabSz="914400" rtl="0" fontAlgn="auto" hangingPunct="1">
-                  <a:lnSpc>
-                    <a:spcPct val="100000"/>
-                  </a:lnSpc>
-                  <a:spcBef>
-                    <a:spcPts val="0"/>
-                  </a:spcBef>
-                  <a:spcAft>
-                    <a:spcPts val="0"/>
-                  </a:spcAft>
-                  <a:buSzPct val="100000"/>
-                  <a:buFont typeface="Arial" pitchFamily="34"/>
-                  <a:buChar char="•"/>
-                  <a:tabLst/>
-                  <a:defRPr sz="1800" b="0" i="0" u="none" strike="noStrike" kern="0" cap="none" spc="0" baseline="0">
-                    <a:solidFill>
-                      <a:srgbClr val="000000"/>
-                    </a:solidFill>
-                    <a:uFillTx/>
-                  </a:defRPr>
-                </a:pPr>
-                <a:r>
-                  <a:rPr lang="en-GB" sz="1400" b="1" i="0" u="none" strike="noStrike" kern="1200" cap="none" spc="0" baseline="0" dirty="0">
-                    <a:solidFill>
-                      <a:srgbClr val="000000"/>
-                    </a:solidFill>
-                    <a:uFillTx/>
-                    <a:latin typeface="Aptos"/>
-                  </a:rPr>
-                  <a:t>Prolonged nuclear energy</a:t>
+                  <a:t>Prolongation of existing nuclear power plants</a:t>
                 </a:r>
                 <a:endParaRPr lang="en-GB" sz="1400" b="0" i="0" u="none" strike="noStrike" kern="1200" cap="none" spc="0" baseline="0" dirty="0">
                   <a:solidFill>
